--- a/00_Database/00_Figures/01_Algorithm_flowchart.pptx
+++ b/00_Database/00_Figures/01_Algorithm_flowchart.pptx
@@ -53,7 +53,7 @@
       </p:grpSpPr>
       <p:sp>
         <p:nvSpPr>
-          <p:cNvPr id="22" name="PlaceHolder 1"/>
+          <p:cNvPr id="23" name="PlaceHolder 1"/>
           <p:cNvSpPr>
             <a:spLocks noGrp="1"/>
           </p:cNvSpPr>
@@ -64,7 +64,7 @@
         <p:spPr>
           <a:xfrm>
             <a:off x="1026000" y="1767600"/>
-            <a:ext cx="11626920" cy="3759120"/>
+            <a:ext cx="11626560" cy="3758760"/>
           </a:xfrm>
           <a:prstGeom prst="rect">
             <a:avLst/>
@@ -84,7 +84,7 @@
       </p:sp>
       <p:sp>
         <p:nvSpPr>
-          <p:cNvPr id="23" name="PlaceHolder 2"/>
+          <p:cNvPr id="24" name="PlaceHolder 2"/>
           <p:cNvSpPr>
             <a:spLocks noGrp="1"/>
           </p:cNvSpPr>
@@ -95,7 +95,7 @@
         <p:spPr>
           <a:xfrm>
             <a:off x="683640" y="2526840"/>
-            <a:ext cx="12311280" cy="2987280"/>
+            <a:ext cx="12310920" cy="2987280"/>
           </a:xfrm>
           <a:prstGeom prst="rect">
             <a:avLst/>
@@ -114,7 +114,7 @@
       </p:sp>
       <p:sp>
         <p:nvSpPr>
-          <p:cNvPr id="24" name="PlaceHolder 3"/>
+          <p:cNvPr id="25" name="PlaceHolder 3"/>
           <p:cNvSpPr>
             <a:spLocks noGrp="1"/>
           </p:cNvSpPr>
@@ -125,7 +125,7 @@
         <p:spPr>
           <a:xfrm>
             <a:off x="683640" y="5798160"/>
-            <a:ext cx="12311280" cy="2987280"/>
+            <a:ext cx="12310920" cy="2987280"/>
           </a:xfrm>
           <a:prstGeom prst="rect">
             <a:avLst/>
@@ -166,7 +166,7 @@
       </p:grpSpPr>
       <p:sp>
         <p:nvSpPr>
-          <p:cNvPr id="25" name="PlaceHolder 1"/>
+          <p:cNvPr id="26" name="PlaceHolder 1"/>
           <p:cNvSpPr>
             <a:spLocks noGrp="1"/>
           </p:cNvSpPr>
@@ -177,7 +177,7 @@
         <p:spPr>
           <a:xfrm>
             <a:off x="1026000" y="1767600"/>
-            <a:ext cx="11626920" cy="3759120"/>
+            <a:ext cx="11626560" cy="3758760"/>
           </a:xfrm>
           <a:prstGeom prst="rect">
             <a:avLst/>
@@ -197,7 +197,7 @@
       </p:sp>
       <p:sp>
         <p:nvSpPr>
-          <p:cNvPr id="26" name="PlaceHolder 2"/>
+          <p:cNvPr id="27" name="PlaceHolder 2"/>
           <p:cNvSpPr>
             <a:spLocks noGrp="1"/>
           </p:cNvSpPr>
@@ -227,7 +227,7 @@
       </p:sp>
       <p:sp>
         <p:nvSpPr>
-          <p:cNvPr id="27" name="PlaceHolder 3"/>
+          <p:cNvPr id="28" name="PlaceHolder 3"/>
           <p:cNvSpPr>
             <a:spLocks noGrp="1"/>
           </p:cNvSpPr>
@@ -257,7 +257,7 @@
       </p:sp>
       <p:sp>
         <p:nvSpPr>
-          <p:cNvPr id="28" name="PlaceHolder 4"/>
+          <p:cNvPr id="29" name="PlaceHolder 4"/>
           <p:cNvSpPr>
             <a:spLocks noGrp="1"/>
           </p:cNvSpPr>
@@ -287,7 +287,7 @@
       </p:sp>
       <p:sp>
         <p:nvSpPr>
-          <p:cNvPr id="29" name="PlaceHolder 5"/>
+          <p:cNvPr id="30" name="PlaceHolder 5"/>
           <p:cNvSpPr>
             <a:spLocks noGrp="1"/>
           </p:cNvSpPr>
@@ -339,7 +339,7 @@
       </p:grpSpPr>
       <p:sp>
         <p:nvSpPr>
-          <p:cNvPr id="30" name="PlaceHolder 1"/>
+          <p:cNvPr id="31" name="PlaceHolder 1"/>
           <p:cNvSpPr>
             <a:spLocks noGrp="1"/>
           </p:cNvSpPr>
@@ -350,7 +350,7 @@
         <p:spPr>
           <a:xfrm>
             <a:off x="1026000" y="1767600"/>
-            <a:ext cx="11626920" cy="3759120"/>
+            <a:ext cx="11626560" cy="3758760"/>
           </a:xfrm>
           <a:prstGeom prst="rect">
             <a:avLst/>
@@ -370,7 +370,7 @@
       </p:sp>
       <p:sp>
         <p:nvSpPr>
-          <p:cNvPr id="31" name="PlaceHolder 2"/>
+          <p:cNvPr id="32" name="PlaceHolder 2"/>
           <p:cNvSpPr>
             <a:spLocks noGrp="1"/>
           </p:cNvSpPr>
@@ -400,7 +400,7 @@
       </p:sp>
       <p:sp>
         <p:nvSpPr>
-          <p:cNvPr id="32" name="PlaceHolder 3"/>
+          <p:cNvPr id="33" name="PlaceHolder 3"/>
           <p:cNvSpPr>
             <a:spLocks noGrp="1"/>
           </p:cNvSpPr>
@@ -430,7 +430,7 @@
       </p:sp>
       <p:sp>
         <p:nvSpPr>
-          <p:cNvPr id="33" name="PlaceHolder 4"/>
+          <p:cNvPr id="34" name="PlaceHolder 4"/>
           <p:cNvSpPr>
             <a:spLocks noGrp="1"/>
           </p:cNvSpPr>
@@ -460,7 +460,7 @@
       </p:sp>
       <p:sp>
         <p:nvSpPr>
-          <p:cNvPr id="34" name="PlaceHolder 5"/>
+          <p:cNvPr id="35" name="PlaceHolder 5"/>
           <p:cNvSpPr>
             <a:spLocks noGrp="1"/>
           </p:cNvSpPr>
@@ -490,7 +490,7 @@
       </p:sp>
       <p:sp>
         <p:nvSpPr>
-          <p:cNvPr id="35" name="PlaceHolder 6"/>
+          <p:cNvPr id="36" name="PlaceHolder 6"/>
           <p:cNvSpPr>
             <a:spLocks noGrp="1"/>
           </p:cNvSpPr>
@@ -520,7 +520,7 @@
       </p:sp>
       <p:sp>
         <p:nvSpPr>
-          <p:cNvPr id="36" name="PlaceHolder 7"/>
+          <p:cNvPr id="37" name="PlaceHolder 7"/>
           <p:cNvSpPr>
             <a:spLocks noGrp="1"/>
           </p:cNvSpPr>
@@ -572,7 +572,7 @@
       </p:grpSpPr>
       <p:sp>
         <p:nvSpPr>
-          <p:cNvPr id="1" name="PlaceHolder 1"/>
+          <p:cNvPr id="2" name="PlaceHolder 1"/>
           <p:cNvSpPr>
             <a:spLocks noGrp="1"/>
           </p:cNvSpPr>
@@ -583,7 +583,7 @@
         <p:spPr>
           <a:xfrm>
             <a:off x="1026000" y="1767600"/>
-            <a:ext cx="11626920" cy="3759120"/>
+            <a:ext cx="11626560" cy="3758760"/>
           </a:xfrm>
           <a:prstGeom prst="rect">
             <a:avLst/>
@@ -603,7 +603,7 @@
       </p:sp>
       <p:sp>
         <p:nvSpPr>
-          <p:cNvPr id="2" name="PlaceHolder 2"/>
+          <p:cNvPr id="3" name="PlaceHolder 2"/>
           <p:cNvSpPr>
             <a:spLocks noGrp="1"/>
           </p:cNvSpPr>
@@ -614,7 +614,7 @@
         <p:spPr>
           <a:xfrm>
             <a:off x="683640" y="2526840"/>
-            <a:ext cx="12311280" cy="6263280"/>
+            <a:ext cx="12310920" cy="6262920"/>
           </a:xfrm>
           <a:prstGeom prst="rect">
             <a:avLst/>
@@ -656,7 +656,7 @@
       </p:grpSpPr>
       <p:sp>
         <p:nvSpPr>
-          <p:cNvPr id="3" name="PlaceHolder 1"/>
+          <p:cNvPr id="4" name="PlaceHolder 1"/>
           <p:cNvSpPr>
             <a:spLocks noGrp="1"/>
           </p:cNvSpPr>
@@ -667,7 +667,7 @@
         <p:spPr>
           <a:xfrm>
             <a:off x="1026000" y="1767600"/>
-            <a:ext cx="11626920" cy="3759120"/>
+            <a:ext cx="11626560" cy="3758760"/>
           </a:xfrm>
           <a:prstGeom prst="rect">
             <a:avLst/>
@@ -687,7 +687,7 @@
       </p:sp>
       <p:sp>
         <p:nvSpPr>
-          <p:cNvPr id="4" name="PlaceHolder 2"/>
+          <p:cNvPr id="5" name="PlaceHolder 2"/>
           <p:cNvSpPr>
             <a:spLocks noGrp="1"/>
           </p:cNvSpPr>
@@ -698,7 +698,7 @@
         <p:spPr>
           <a:xfrm>
             <a:off x="683640" y="2526840"/>
-            <a:ext cx="12311280" cy="6263280"/>
+            <a:ext cx="12310920" cy="6262920"/>
           </a:xfrm>
           <a:prstGeom prst="rect">
             <a:avLst/>
@@ -739,7 +739,7 @@
       </p:grpSpPr>
       <p:sp>
         <p:nvSpPr>
-          <p:cNvPr id="5" name="PlaceHolder 1"/>
+          <p:cNvPr id="6" name="PlaceHolder 1"/>
           <p:cNvSpPr>
             <a:spLocks noGrp="1"/>
           </p:cNvSpPr>
@@ -750,7 +750,7 @@
         <p:spPr>
           <a:xfrm>
             <a:off x="1026000" y="1767600"/>
-            <a:ext cx="11626920" cy="3759120"/>
+            <a:ext cx="11626560" cy="3758760"/>
           </a:xfrm>
           <a:prstGeom prst="rect">
             <a:avLst/>
@@ -770,7 +770,7 @@
       </p:sp>
       <p:sp>
         <p:nvSpPr>
-          <p:cNvPr id="6" name="PlaceHolder 2"/>
+          <p:cNvPr id="7" name="PlaceHolder 2"/>
           <p:cNvSpPr>
             <a:spLocks noGrp="1"/>
           </p:cNvSpPr>
@@ -781,7 +781,7 @@
         <p:spPr>
           <a:xfrm>
             <a:off x="683640" y="2526840"/>
-            <a:ext cx="6007680" cy="6263280"/>
+            <a:ext cx="6007680" cy="6262920"/>
           </a:xfrm>
           <a:prstGeom prst="rect">
             <a:avLst/>
@@ -800,7 +800,7 @@
       </p:sp>
       <p:sp>
         <p:nvSpPr>
-          <p:cNvPr id="7" name="PlaceHolder 3"/>
+          <p:cNvPr id="8" name="PlaceHolder 3"/>
           <p:cNvSpPr>
             <a:spLocks noGrp="1"/>
           </p:cNvSpPr>
@@ -811,7 +811,7 @@
         <p:spPr>
           <a:xfrm>
             <a:off x="6991920" y="2526840"/>
-            <a:ext cx="6007680" cy="6263280"/>
+            <a:ext cx="6007680" cy="6262920"/>
           </a:xfrm>
           <a:prstGeom prst="rect">
             <a:avLst/>
@@ -852,7 +852,7 @@
       </p:grpSpPr>
       <p:sp>
         <p:nvSpPr>
-          <p:cNvPr id="8" name="PlaceHolder 1"/>
+          <p:cNvPr id="9" name="PlaceHolder 1"/>
           <p:cNvSpPr>
             <a:spLocks noGrp="1"/>
           </p:cNvSpPr>
@@ -863,7 +863,7 @@
         <p:spPr>
           <a:xfrm>
             <a:off x="1026000" y="1767600"/>
-            <a:ext cx="11626920" cy="3759120"/>
+            <a:ext cx="11626560" cy="3758760"/>
           </a:xfrm>
           <a:prstGeom prst="rect">
             <a:avLst/>
@@ -905,7 +905,7 @@
       </p:grpSpPr>
       <p:sp>
         <p:nvSpPr>
-          <p:cNvPr id="9" name="PlaceHolder 1"/>
+          <p:cNvPr id="10" name="PlaceHolder 1"/>
           <p:cNvSpPr>
             <a:spLocks noGrp="1"/>
           </p:cNvSpPr>
@@ -916,7 +916,7 @@
         <p:spPr>
           <a:xfrm>
             <a:off x="1026000" y="1767600"/>
-            <a:ext cx="11626920" cy="17426160"/>
+            <a:ext cx="11626560" cy="17424720"/>
           </a:xfrm>
           <a:prstGeom prst="rect">
             <a:avLst/>
@@ -958,7 +958,7 @@
       </p:grpSpPr>
       <p:sp>
         <p:nvSpPr>
-          <p:cNvPr id="10" name="PlaceHolder 1"/>
+          <p:cNvPr id="11" name="PlaceHolder 1"/>
           <p:cNvSpPr>
             <a:spLocks noGrp="1"/>
           </p:cNvSpPr>
@@ -969,7 +969,7 @@
         <p:spPr>
           <a:xfrm>
             <a:off x="1026000" y="1767600"/>
-            <a:ext cx="11626920" cy="3759120"/>
+            <a:ext cx="11626560" cy="3758760"/>
           </a:xfrm>
           <a:prstGeom prst="rect">
             <a:avLst/>
@@ -989,7 +989,7 @@
       </p:sp>
       <p:sp>
         <p:nvSpPr>
-          <p:cNvPr id="11" name="PlaceHolder 2"/>
+          <p:cNvPr id="12" name="PlaceHolder 2"/>
           <p:cNvSpPr>
             <a:spLocks noGrp="1"/>
           </p:cNvSpPr>
@@ -1019,7 +1019,7 @@
       </p:sp>
       <p:sp>
         <p:nvSpPr>
-          <p:cNvPr id="12" name="PlaceHolder 3"/>
+          <p:cNvPr id="13" name="PlaceHolder 3"/>
           <p:cNvSpPr>
             <a:spLocks noGrp="1"/>
           </p:cNvSpPr>
@@ -1030,7 +1030,7 @@
         <p:spPr>
           <a:xfrm>
             <a:off x="6991920" y="2526840"/>
-            <a:ext cx="6007680" cy="6263280"/>
+            <a:ext cx="6007680" cy="6262920"/>
           </a:xfrm>
           <a:prstGeom prst="rect">
             <a:avLst/>
@@ -1049,7 +1049,7 @@
       </p:sp>
       <p:sp>
         <p:nvSpPr>
-          <p:cNvPr id="13" name="PlaceHolder 4"/>
+          <p:cNvPr id="14" name="PlaceHolder 4"/>
           <p:cNvSpPr>
             <a:spLocks noGrp="1"/>
           </p:cNvSpPr>
@@ -1101,7 +1101,7 @@
       </p:grpSpPr>
       <p:sp>
         <p:nvSpPr>
-          <p:cNvPr id="14" name="PlaceHolder 1"/>
+          <p:cNvPr id="15" name="PlaceHolder 1"/>
           <p:cNvSpPr>
             <a:spLocks noGrp="1"/>
           </p:cNvSpPr>
@@ -1112,7 +1112,7 @@
         <p:spPr>
           <a:xfrm>
             <a:off x="1026000" y="1767600"/>
-            <a:ext cx="11626920" cy="3759120"/>
+            <a:ext cx="11626560" cy="3758760"/>
           </a:xfrm>
           <a:prstGeom prst="rect">
             <a:avLst/>
@@ -1132,7 +1132,7 @@
       </p:sp>
       <p:sp>
         <p:nvSpPr>
-          <p:cNvPr id="15" name="PlaceHolder 2"/>
+          <p:cNvPr id="16" name="PlaceHolder 2"/>
           <p:cNvSpPr>
             <a:spLocks noGrp="1"/>
           </p:cNvSpPr>
@@ -1143,7 +1143,7 @@
         <p:spPr>
           <a:xfrm>
             <a:off x="683640" y="2526840"/>
-            <a:ext cx="6007680" cy="6263280"/>
+            <a:ext cx="6007680" cy="6262920"/>
           </a:xfrm>
           <a:prstGeom prst="rect">
             <a:avLst/>
@@ -1162,7 +1162,7 @@
       </p:sp>
       <p:sp>
         <p:nvSpPr>
-          <p:cNvPr id="16" name="PlaceHolder 3"/>
+          <p:cNvPr id="17" name="PlaceHolder 3"/>
           <p:cNvSpPr>
             <a:spLocks noGrp="1"/>
           </p:cNvSpPr>
@@ -1192,7 +1192,7 @@
       </p:sp>
       <p:sp>
         <p:nvSpPr>
-          <p:cNvPr id="17" name="PlaceHolder 4"/>
+          <p:cNvPr id="18" name="PlaceHolder 4"/>
           <p:cNvSpPr>
             <a:spLocks noGrp="1"/>
           </p:cNvSpPr>
@@ -1244,7 +1244,7 @@
       </p:grpSpPr>
       <p:sp>
         <p:nvSpPr>
-          <p:cNvPr id="18" name="PlaceHolder 1"/>
+          <p:cNvPr id="19" name="PlaceHolder 1"/>
           <p:cNvSpPr>
             <a:spLocks noGrp="1"/>
           </p:cNvSpPr>
@@ -1255,7 +1255,7 @@
         <p:spPr>
           <a:xfrm>
             <a:off x="1026000" y="1767600"/>
-            <a:ext cx="11626920" cy="3759120"/>
+            <a:ext cx="11626560" cy="3758760"/>
           </a:xfrm>
           <a:prstGeom prst="rect">
             <a:avLst/>
@@ -1275,7 +1275,7 @@
       </p:sp>
       <p:sp>
         <p:nvSpPr>
-          <p:cNvPr id="19" name="PlaceHolder 2"/>
+          <p:cNvPr id="20" name="PlaceHolder 2"/>
           <p:cNvSpPr>
             <a:spLocks noGrp="1"/>
           </p:cNvSpPr>
@@ -1305,7 +1305,7 @@
       </p:sp>
       <p:sp>
         <p:nvSpPr>
-          <p:cNvPr id="20" name="PlaceHolder 3"/>
+          <p:cNvPr id="21" name="PlaceHolder 3"/>
           <p:cNvSpPr>
             <a:spLocks noGrp="1"/>
           </p:cNvSpPr>
@@ -1335,7 +1335,7 @@
       </p:sp>
       <p:sp>
         <p:nvSpPr>
-          <p:cNvPr id="21" name="PlaceHolder 4"/>
+          <p:cNvPr id="22" name="PlaceHolder 4"/>
           <p:cNvSpPr>
             <a:spLocks noGrp="1"/>
           </p:cNvSpPr>
@@ -1346,7 +1346,7 @@
         <p:spPr>
           <a:xfrm>
             <a:off x="683640" y="5798160"/>
-            <a:ext cx="12311280" cy="2987280"/>
+            <a:ext cx="12310920" cy="2987280"/>
           </a:xfrm>
           <a:prstGeom prst="rect">
             <a:avLst/>
@@ -1405,7 +1405,7 @@
         <p:spPr>
           <a:xfrm>
             <a:off x="1026000" y="1767600"/>
-            <a:ext cx="11626920" cy="3759120"/>
+            <a:ext cx="11626560" cy="3758760"/>
           </a:xfrm>
           <a:prstGeom prst="rect">
             <a:avLst/>
@@ -1422,6 +1422,185 @@
                 <a:latin typeface="Arial"/>
               </a:rPr>
               <a:t>Click to edit the title text format</a:t>
+            </a:r>
+            <a:endParaRPr b="0" lang="pt-BR" sz="1800" spc="-1" strike="noStrike">
+              <a:latin typeface="Arial"/>
+            </a:endParaRPr>
+          </a:p>
+        </p:txBody>
+      </p:sp>
+      <p:sp>
+        <p:nvSpPr>
+          <p:cNvPr id="1" name="PlaceHolder 2"/>
+          <p:cNvSpPr>
+            <a:spLocks noGrp="1"/>
+          </p:cNvSpPr>
+          <p:nvPr>
+            <p:ph type="body"/>
+          </p:nvPr>
+        </p:nvSpPr>
+        <p:spPr>
+          <a:xfrm>
+            <a:off x="683640" y="2526840"/>
+            <a:ext cx="12310920" cy="6262920"/>
+          </a:xfrm>
+          <a:prstGeom prst="rect">
+            <a:avLst/>
+          </a:prstGeom>
+        </p:spPr>
+        <p:txBody>
+          <a:bodyPr lIns="0" rIns="0" tIns="0" bIns="0">
+            <a:normAutofit/>
+          </a:bodyPr>
+          <a:p>
+            <a:pPr marL="432000" indent="-324000" algn="ctr">
+              <a:spcBef>
+                <a:spcPts val="1417"/>
+              </a:spcBef>
+              <a:buClr>
+                <a:srgbClr val="000000"/>
+              </a:buClr>
+              <a:buSzPct val="45000"/>
+              <a:buFont typeface="Wingdings" charset="2"/>
+              <a:buChar char=""/>
+            </a:pPr>
+            <a:r>
+              <a:rPr b="0" lang="pt-BR" sz="1800" spc="-1" strike="noStrike">
+                <a:latin typeface="Arial"/>
+              </a:rPr>
+              <a:t>Click to edit the outline text format</a:t>
+            </a:r>
+            <a:endParaRPr b="0" lang="pt-BR" sz="1800" spc="-1" strike="noStrike">
+              <a:latin typeface="Arial"/>
+            </a:endParaRPr>
+          </a:p>
+          <a:p>
+            <a:pPr lvl="1" marL="864000" indent="-324000" algn="ctr">
+              <a:spcBef>
+                <a:spcPts val="1134"/>
+              </a:spcBef>
+              <a:buClr>
+                <a:srgbClr val="000000"/>
+              </a:buClr>
+              <a:buSzPct val="75000"/>
+              <a:buFont typeface="Symbol" charset="2"/>
+              <a:buChar char=""/>
+            </a:pPr>
+            <a:r>
+              <a:rPr b="0" lang="pt-BR" sz="1800" spc="-1" strike="noStrike">
+                <a:latin typeface="Arial"/>
+              </a:rPr>
+              <a:t>Second Outline Level</a:t>
+            </a:r>
+            <a:endParaRPr b="0" lang="pt-BR" sz="1800" spc="-1" strike="noStrike">
+              <a:latin typeface="Arial"/>
+            </a:endParaRPr>
+          </a:p>
+          <a:p>
+            <a:pPr lvl="2" marL="1296000" indent="-288000" algn="ctr">
+              <a:spcBef>
+                <a:spcPts val="850"/>
+              </a:spcBef>
+              <a:buClr>
+                <a:srgbClr val="000000"/>
+              </a:buClr>
+              <a:buSzPct val="45000"/>
+              <a:buFont typeface="Wingdings" charset="2"/>
+              <a:buChar char=""/>
+            </a:pPr>
+            <a:r>
+              <a:rPr b="0" lang="pt-BR" sz="1800" spc="-1" strike="noStrike">
+                <a:latin typeface="Arial"/>
+              </a:rPr>
+              <a:t>Third Outline Level</a:t>
+            </a:r>
+            <a:endParaRPr b="0" lang="pt-BR" sz="1800" spc="-1" strike="noStrike">
+              <a:latin typeface="Arial"/>
+            </a:endParaRPr>
+          </a:p>
+          <a:p>
+            <a:pPr lvl="3" marL="1728000" indent="-216000" algn="ctr">
+              <a:spcBef>
+                <a:spcPts val="567"/>
+              </a:spcBef>
+              <a:buClr>
+                <a:srgbClr val="000000"/>
+              </a:buClr>
+              <a:buSzPct val="75000"/>
+              <a:buFont typeface="Symbol" charset="2"/>
+              <a:buChar char=""/>
+            </a:pPr>
+            <a:r>
+              <a:rPr b="0" lang="pt-BR" sz="1800" spc="-1" strike="noStrike">
+                <a:latin typeface="Arial"/>
+              </a:rPr>
+              <a:t>Fourth Outline Level</a:t>
+            </a:r>
+            <a:endParaRPr b="0" lang="pt-BR" sz="1800" spc="-1" strike="noStrike">
+              <a:latin typeface="Arial"/>
+            </a:endParaRPr>
+          </a:p>
+          <a:p>
+            <a:pPr lvl="4" marL="2160000" indent="-216000" algn="ctr">
+              <a:spcBef>
+                <a:spcPts val="283"/>
+              </a:spcBef>
+              <a:buClr>
+                <a:srgbClr val="000000"/>
+              </a:buClr>
+              <a:buSzPct val="45000"/>
+              <a:buFont typeface="Wingdings" charset="2"/>
+              <a:buChar char=""/>
+            </a:pPr>
+            <a:r>
+              <a:rPr b="0" lang="pt-BR" sz="1800" spc="-1" strike="noStrike">
+                <a:latin typeface="Arial"/>
+              </a:rPr>
+              <a:t>Fifth Outline Level</a:t>
+            </a:r>
+            <a:endParaRPr b="0" lang="pt-BR" sz="1800" spc="-1" strike="noStrike">
+              <a:latin typeface="Arial"/>
+            </a:endParaRPr>
+          </a:p>
+          <a:p>
+            <a:pPr lvl="5" marL="2592000" indent="-216000" algn="ctr">
+              <a:spcBef>
+                <a:spcPts val="283"/>
+              </a:spcBef>
+              <a:buClr>
+                <a:srgbClr val="000000"/>
+              </a:buClr>
+              <a:buSzPct val="45000"/>
+              <a:buFont typeface="Wingdings" charset="2"/>
+              <a:buChar char=""/>
+            </a:pPr>
+            <a:r>
+              <a:rPr b="0" lang="pt-BR" sz="1800" spc="-1" strike="noStrike">
+                <a:latin typeface="Arial"/>
+              </a:rPr>
+              <a:t>Sixth Outline Level</a:t>
+            </a:r>
+            <a:endParaRPr b="0" lang="pt-BR" sz="1800" spc="-1" strike="noStrike">
+              <a:latin typeface="Arial"/>
+            </a:endParaRPr>
+          </a:p>
+          <a:p>
+            <a:pPr lvl="6" marL="3024000" indent="-216000" algn="ctr">
+              <a:spcBef>
+                <a:spcPts val="283"/>
+              </a:spcBef>
+              <a:buClr>
+                <a:srgbClr val="000000"/>
+              </a:buClr>
+              <a:buSzPct val="45000"/>
+              <a:buFont typeface="Wingdings" charset="2"/>
+              <a:buChar char=""/>
+            </a:pPr>
+            <a:r>
+              <a:rPr b="0" lang="pt-BR" sz="1800" spc="-1" strike="noStrike">
+                <a:latin typeface="Arial"/>
+              </a:rPr>
+              <a:t>Seventh Outline Level</a:t>
             </a:r>
             <a:endParaRPr b="0" lang="pt-BR" sz="1800" spc="-1" strike="noStrike">
               <a:latin typeface="Arial"/>
@@ -1468,14 +1647,14 @@
       </p:grpSpPr>
       <p:sp>
         <p:nvSpPr>
-          <p:cNvPr id="37" name="CustomShape 1"/>
+          <p:cNvPr id="38" name="CustomShape 1"/>
           <p:cNvSpPr/>
           <p:nvPr/>
         </p:nvSpPr>
         <p:spPr>
           <a:xfrm>
             <a:off x="6801840" y="3147840"/>
-            <a:ext cx="981000" cy="387000"/>
+            <a:ext cx="980640" cy="386640"/>
           </a:xfrm>
           <a:prstGeom prst="roundRect">
             <a:avLst>
@@ -1546,14 +1725,14 @@
       </p:sp>
       <p:sp>
         <p:nvSpPr>
-          <p:cNvPr id="38" name="CustomShape 2"/>
+          <p:cNvPr id="39" name="CustomShape 2"/>
           <p:cNvSpPr/>
           <p:nvPr/>
         </p:nvSpPr>
         <p:spPr>
           <a:xfrm>
             <a:off x="6801840" y="3736440"/>
-            <a:ext cx="981000" cy="387000"/>
+            <a:ext cx="980640" cy="386640"/>
           </a:xfrm>
           <a:prstGeom prst="roundRect">
             <a:avLst>
@@ -1624,14 +1803,14 @@
       </p:sp>
       <p:sp>
         <p:nvSpPr>
-          <p:cNvPr id="39" name="CustomShape 3"/>
+          <p:cNvPr id="40" name="CustomShape 3"/>
           <p:cNvSpPr/>
           <p:nvPr/>
         </p:nvSpPr>
         <p:spPr>
           <a:xfrm>
             <a:off x="6807600" y="4334040"/>
-            <a:ext cx="981000" cy="387000"/>
+            <a:ext cx="980640" cy="386640"/>
           </a:xfrm>
           <a:prstGeom prst="roundRect">
             <a:avLst>
@@ -1702,14 +1881,14 @@
       </p:sp>
       <p:sp>
         <p:nvSpPr>
-          <p:cNvPr id="40" name="CustomShape 4"/>
+          <p:cNvPr id="41" name="CustomShape 4"/>
           <p:cNvSpPr/>
           <p:nvPr/>
         </p:nvSpPr>
         <p:spPr>
           <a:xfrm>
             <a:off x="6808680" y="4927320"/>
-            <a:ext cx="981000" cy="387000"/>
+            <a:ext cx="980640" cy="386640"/>
           </a:xfrm>
           <a:prstGeom prst="roundRect">
             <a:avLst>
@@ -1780,14 +1959,14 @@
       </p:sp>
       <p:sp>
         <p:nvSpPr>
-          <p:cNvPr id="41" name="CustomShape 5"/>
+          <p:cNvPr id="42" name="CustomShape 5"/>
           <p:cNvSpPr/>
           <p:nvPr/>
         </p:nvSpPr>
         <p:spPr>
           <a:xfrm>
             <a:off x="6808680" y="5528880"/>
-            <a:ext cx="981000" cy="387000"/>
+            <a:ext cx="980640" cy="386640"/>
           </a:xfrm>
           <a:prstGeom prst="roundRect">
             <a:avLst>
@@ -1858,14 +2037,14 @@
       </p:sp>
       <p:sp>
         <p:nvSpPr>
-          <p:cNvPr id="42" name="CustomShape 6"/>
+          <p:cNvPr id="43" name="CustomShape 6"/>
           <p:cNvSpPr/>
           <p:nvPr/>
         </p:nvSpPr>
         <p:spPr>
           <a:xfrm>
             <a:off x="6808680" y="6122160"/>
-            <a:ext cx="981000" cy="387000"/>
+            <a:ext cx="980640" cy="386640"/>
           </a:xfrm>
           <a:prstGeom prst="roundRect">
             <a:avLst>
@@ -1936,14 +2115,14 @@
       </p:sp>
       <p:sp>
         <p:nvSpPr>
-          <p:cNvPr id="43" name="CustomShape 7"/>
+          <p:cNvPr id="44" name="CustomShape 7"/>
           <p:cNvSpPr/>
           <p:nvPr/>
         </p:nvSpPr>
         <p:spPr>
           <a:xfrm>
             <a:off x="3499560" y="5331960"/>
-            <a:ext cx="1224720" cy="541440"/>
+            <a:ext cx="1224360" cy="541080"/>
           </a:xfrm>
           <a:prstGeom prst="roundRect">
             <a:avLst>
@@ -2014,14 +2193,14 @@
       </p:sp>
       <p:sp>
         <p:nvSpPr>
-          <p:cNvPr id="44" name="CustomShape 8"/>
+          <p:cNvPr id="45" name="CustomShape 8"/>
           <p:cNvSpPr/>
           <p:nvPr/>
         </p:nvSpPr>
         <p:spPr>
           <a:xfrm>
             <a:off x="6808680" y="6715440"/>
-            <a:ext cx="981000" cy="387000"/>
+            <a:ext cx="980640" cy="386640"/>
           </a:xfrm>
           <a:prstGeom prst="roundRect">
             <a:avLst>
@@ -2092,14 +2271,14 @@
       </p:sp>
       <p:sp>
         <p:nvSpPr>
-          <p:cNvPr id="45" name="CustomShape 9"/>
+          <p:cNvPr id="46" name="CustomShape 9"/>
           <p:cNvSpPr/>
           <p:nvPr/>
         </p:nvSpPr>
         <p:spPr>
           <a:xfrm>
             <a:off x="6808680" y="7292520"/>
-            <a:ext cx="981000" cy="387000"/>
+            <a:ext cx="980640" cy="386640"/>
           </a:xfrm>
           <a:prstGeom prst="roundRect">
             <a:avLst>
@@ -2170,14 +2349,14 @@
       </p:sp>
       <p:sp>
         <p:nvSpPr>
-          <p:cNvPr id="46" name="CustomShape 10"/>
+          <p:cNvPr id="47" name="CustomShape 10"/>
           <p:cNvSpPr/>
           <p:nvPr/>
         </p:nvSpPr>
         <p:spPr>
           <a:xfrm>
             <a:off x="3027240" y="3750120"/>
-            <a:ext cx="2156760" cy="539280"/>
+            <a:ext cx="2156400" cy="538920"/>
           </a:xfrm>
           <a:prstGeom prst="roundRect">
             <a:avLst>
@@ -2238,7 +2417,7 @@
                 <a:latin typeface="Calibri"/>
                 <a:ea typeface="DejaVu Sans"/>
               </a:rPr>
-              <a:t>SVMC</a:t>
+              <a:t>SVM</a:t>
             </a:r>
             <a:endParaRPr b="0" lang="pt-BR" sz="1800" spc="-1" strike="noStrike">
               <a:latin typeface="Arial"/>
@@ -2250,16 +2429,6 @@
                 <a:spcPct val="100000"/>
               </a:lnSpc>
             </a:pPr>
-            <a:r>
-              <a:rPr b="0" lang="en-US" sz="1800" spc="-1" strike="noStrike">
-                <a:solidFill>
-                  <a:srgbClr val="000000"/>
-                </a:solidFill>
-                <a:latin typeface="Calibri"/>
-                <a:ea typeface="DejaVu Sans"/>
-              </a:rPr>
-              <a:t>Shape</a:t>
-            </a:r>
             <a:r>
               <a:rPr b="0" lang="pt-BR" sz="1800" spc="-1" strike="noStrike">
                 <a:solidFill>
@@ -2268,7 +2437,7 @@
                 <a:latin typeface="Calibri"/>
                 <a:ea typeface="DejaVu Sans"/>
               </a:rPr>
-              <a:t> classification</a:t>
+              <a:t>Shape classification</a:t>
             </a:r>
             <a:endParaRPr b="0" lang="pt-BR" sz="1800" spc="-1" strike="noStrike">
               <a:latin typeface="Arial"/>
@@ -2278,14 +2447,14 @@
       </p:sp>
       <p:sp>
         <p:nvSpPr>
-          <p:cNvPr id="47" name="CustomShape 11"/>
+          <p:cNvPr id="48" name="CustomShape 11"/>
           <p:cNvSpPr/>
           <p:nvPr/>
         </p:nvSpPr>
         <p:spPr>
           <a:xfrm flipV="1">
-            <a:off x="5184720" y="3340440"/>
-            <a:ext cx="1616760" cy="677520"/>
+            <a:off x="5184720" y="3339360"/>
+            <a:ext cx="1616400" cy="677160"/>
           </a:xfrm>
           <a:prstGeom prst="bentConnector3">
             <a:avLst>
@@ -2312,14 +2481,14 @@
       </p:sp>
       <p:sp>
         <p:nvSpPr>
-          <p:cNvPr id="48" name="CustomShape 12"/>
+          <p:cNvPr id="49" name="CustomShape 12"/>
           <p:cNvSpPr/>
           <p:nvPr/>
         </p:nvSpPr>
         <p:spPr>
           <a:xfrm flipV="1">
-            <a:off x="5184720" y="3929040"/>
-            <a:ext cx="1616760" cy="88920"/>
+            <a:off x="5184720" y="3928680"/>
+            <a:ext cx="1616400" cy="88560"/>
           </a:xfrm>
           <a:prstGeom prst="bentConnector3">
             <a:avLst>
@@ -2346,14 +2515,14 @@
       </p:sp>
       <p:sp>
         <p:nvSpPr>
-          <p:cNvPr id="49" name="CustomShape 13"/>
+          <p:cNvPr id="50" name="CustomShape 13"/>
           <p:cNvSpPr/>
           <p:nvPr/>
         </p:nvSpPr>
         <p:spPr>
           <a:xfrm>
             <a:off x="5184720" y="4020120"/>
-            <a:ext cx="1622160" cy="506880"/>
+            <a:ext cx="1621800" cy="506520"/>
           </a:xfrm>
           <a:prstGeom prst="bentConnector3">
             <a:avLst>
@@ -2380,14 +2549,14 @@
       </p:sp>
       <p:sp>
         <p:nvSpPr>
-          <p:cNvPr id="50" name="CustomShape 14"/>
+          <p:cNvPr id="51" name="CustomShape 14"/>
           <p:cNvSpPr/>
           <p:nvPr/>
         </p:nvSpPr>
         <p:spPr>
           <a:xfrm>
             <a:off x="5184720" y="4020120"/>
-            <a:ext cx="1623600" cy="1100160"/>
+            <a:ext cx="1623240" cy="1099800"/>
           </a:xfrm>
           <a:prstGeom prst="bentConnector3">
             <a:avLst>
@@ -2414,14 +2583,14 @@
       </p:sp>
       <p:sp>
         <p:nvSpPr>
-          <p:cNvPr id="51" name="CustomShape 15"/>
+          <p:cNvPr id="52" name="CustomShape 15"/>
           <p:cNvSpPr/>
           <p:nvPr/>
         </p:nvSpPr>
         <p:spPr>
           <a:xfrm flipV="1">
             <a:off x="5271120" y="6315120"/>
-            <a:ext cx="1537200" cy="648360"/>
+            <a:ext cx="1536840" cy="648000"/>
           </a:xfrm>
           <a:prstGeom prst="bentConnector3">
             <a:avLst>
@@ -2448,14 +2617,14 @@
       </p:sp>
       <p:sp>
         <p:nvSpPr>
-          <p:cNvPr id="52" name="CustomShape 16"/>
+          <p:cNvPr id="53" name="CustomShape 16"/>
           <p:cNvSpPr/>
           <p:nvPr/>
         </p:nvSpPr>
         <p:spPr>
           <a:xfrm>
             <a:off x="5184720" y="4020120"/>
-            <a:ext cx="1623600" cy="1701720"/>
+            <a:ext cx="1623240" cy="1701360"/>
           </a:xfrm>
           <a:prstGeom prst="bentConnector3">
             <a:avLst>
@@ -2482,14 +2651,14 @@
       </p:sp>
       <p:sp>
         <p:nvSpPr>
-          <p:cNvPr id="53" name="CustomShape 17"/>
+          <p:cNvPr id="54" name="CustomShape 17"/>
           <p:cNvSpPr/>
           <p:nvPr/>
         </p:nvSpPr>
         <p:spPr>
           <a:xfrm>
             <a:off x="2953440" y="6694920"/>
-            <a:ext cx="2316600" cy="539280"/>
+            <a:ext cx="2316240" cy="538920"/>
           </a:xfrm>
           <a:prstGeom prst="roundRect">
             <a:avLst>
@@ -2550,7 +2719,7 @@
                 <a:latin typeface="Calibri"/>
                 <a:ea typeface="DejaVu Sans"/>
               </a:rPr>
-              <a:t>SVMC</a:t>
+              <a:t>SVM</a:t>
             </a:r>
             <a:endParaRPr b="0" lang="pt-BR" sz="1800" spc="-1" strike="noStrike">
               <a:latin typeface="Arial"/>
@@ -2580,14 +2749,14 @@
       </p:sp>
       <p:sp>
         <p:nvSpPr>
-          <p:cNvPr id="54" name="CustomShape 18"/>
+          <p:cNvPr id="55" name="CustomShape 18"/>
           <p:cNvSpPr/>
           <p:nvPr/>
         </p:nvSpPr>
         <p:spPr>
           <a:xfrm flipV="1">
             <a:off x="5271120" y="6908400"/>
-            <a:ext cx="1537200" cy="55080"/>
+            <a:ext cx="1536840" cy="54720"/>
           </a:xfrm>
           <a:prstGeom prst="bentConnector3">
             <a:avLst>
@@ -2614,14 +2783,14 @@
       </p:sp>
       <p:sp>
         <p:nvSpPr>
-          <p:cNvPr id="55" name="CustomShape 19"/>
+          <p:cNvPr id="56" name="CustomShape 19"/>
           <p:cNvSpPr/>
           <p:nvPr/>
         </p:nvSpPr>
         <p:spPr>
           <a:xfrm>
             <a:off x="5271120" y="6964920"/>
-            <a:ext cx="1537200" cy="520560"/>
+            <a:ext cx="1536840" cy="520200"/>
           </a:xfrm>
           <a:prstGeom prst="bentConnector3">
             <a:avLst>
@@ -2648,110 +2817,14 @@
       </p:sp>
       <p:sp>
         <p:nvSpPr>
-          <p:cNvPr id="56" name="CustomShape 20"/>
+          <p:cNvPr id="57" name="CustomShape 20"/>
           <p:cNvSpPr/>
           <p:nvPr/>
         </p:nvSpPr>
         <p:spPr>
           <a:xfrm>
             <a:off x="2748960" y="2172960"/>
-            <a:ext cx="2713680" cy="845640"/>
-          </a:xfrm>
-          <a:prstGeom prst="ellipse">
-            <a:avLst/>
-          </a:prstGeom>
-          <a:ln/>
-        </p:spPr>
-        <p:style>
-          <a:lnRef idx="2">
-            <a:schemeClr val="accent4">
-              <a:shade val="50000"/>
-            </a:schemeClr>
-          </a:lnRef>
-          <a:fillRef idx="1">
-            <a:schemeClr val="accent4"/>
-          </a:fillRef>
-          <a:effectRef idx="0">
-            <a:schemeClr val="accent4"/>
-          </a:effectRef>
-          <a:fontRef idx="minor"/>
-        </p:style>
-        <p:txBody>
-          <a:bodyPr lIns="90000" rIns="90000" tIns="45000" bIns="45000" anchor="ctr">
-            <a:noAutofit/>
-          </a:bodyPr>
-          <a:p>
-            <a:pPr algn="ctr">
-              <a:lnSpc>
-                <a:spcPct val="100000"/>
-              </a:lnSpc>
-            </a:pPr>
-            <a:r>
-              <a:rPr b="1" lang="en-US" sz="1800" spc="-1" strike="noStrike">
-                <a:solidFill>
-                  <a:srgbClr val="ffffff"/>
-                </a:solidFill>
-                <a:latin typeface="Calibri"/>
-                <a:ea typeface="DejaVu Sans"/>
-              </a:rPr>
-              <a:t>Input</a:t>
-            </a:r>
-            <a:r>
-              <a:rPr b="1" lang="pt-BR" sz="1800" spc="-1" strike="noStrike">
-                <a:solidFill>
-                  <a:srgbClr val="ffffff"/>
-                </a:solidFill>
-                <a:latin typeface="Calibri"/>
-                <a:ea typeface="DejaVu Sans"/>
-              </a:rPr>
-              <a:t>:</a:t>
-            </a:r>
-            <a:endParaRPr b="0" lang="pt-BR" sz="1800" spc="-1" strike="noStrike">
-              <a:latin typeface="Arial"/>
-            </a:endParaRPr>
-          </a:p>
-          <a:p>
-            <a:pPr algn="ctr">
-              <a:lnSpc>
-                <a:spcPct val="100000"/>
-              </a:lnSpc>
-            </a:pPr>
-            <a:r>
-              <a:rPr b="0" lang="en-US" sz="1800" spc="-1" strike="noStrike">
-                <a:solidFill>
-                  <a:srgbClr val="ffffff"/>
-                </a:solidFill>
-                <a:latin typeface="Calibri"/>
-                <a:ea typeface="DejaVu Sans"/>
-              </a:rPr>
-              <a:t>Normalized</a:t>
-            </a:r>
-            <a:r>
-              <a:rPr b="0" lang="pt-BR" sz="1800" spc="-1" strike="noStrike">
-                <a:solidFill>
-                  <a:srgbClr val="ffffff"/>
-                </a:solidFill>
-                <a:latin typeface="Calibri"/>
-                <a:ea typeface="DejaVu Sans"/>
-              </a:rPr>
-              <a:t> bands</a:t>
-            </a:r>
-            <a:endParaRPr b="0" lang="pt-BR" sz="1800" spc="-1" strike="noStrike">
-              <a:latin typeface="Arial"/>
-            </a:endParaRPr>
-          </a:p>
-        </p:txBody>
-      </p:sp>
-      <p:sp>
-        <p:nvSpPr>
-          <p:cNvPr id="57" name="CustomShape 21"/>
-          <p:cNvSpPr/>
-          <p:nvPr/>
-        </p:nvSpPr>
-        <p:spPr>
-          <a:xfrm>
-            <a:off x="2985840" y="7997040"/>
-            <a:ext cx="2239920" cy="845640"/>
+            <a:ext cx="2713320" cy="845280"/>
           </a:xfrm>
           <a:prstGeom prst="ellipse">
             <a:avLst/>
@@ -2803,6 +2876,102 @@
               </a:lnSpc>
             </a:pPr>
             <a:r>
+              <a:rPr b="0" i="1" lang="pt-BR" sz="1300" spc="-1" strike="noStrike">
+                <a:solidFill>
+                  <a:srgbClr val="ffffff"/>
+                </a:solidFill>
+                <a:latin typeface="Calibri"/>
+                <a:ea typeface="DejaVu Sans"/>
+              </a:rPr>
+              <a:t>B2 (norm), B3 (norm), B4 (norm), B5 (norm), </a:t>
+            </a:r>
+            <a:r>
+              <a:rPr b="0" lang="pt-BR" sz="1300" spc="-1" strike="noStrike">
+                <a:solidFill>
+                  <a:srgbClr val="ffffff"/>
+                </a:solidFill>
+                <a:latin typeface="Calibri"/>
+                <a:ea typeface="DejaVu Sans"/>
+              </a:rPr>
+              <a:t>and</a:t>
+            </a:r>
+            <a:r>
+              <a:rPr b="0" i="1" lang="pt-BR" sz="1300" spc="-1" strike="noStrike">
+                <a:solidFill>
+                  <a:srgbClr val="ffffff"/>
+                </a:solidFill>
+                <a:latin typeface="Calibri"/>
+                <a:ea typeface="DejaVu Sans"/>
+              </a:rPr>
+              <a:t> B6 (norm)</a:t>
+            </a:r>
+            <a:endParaRPr b="0" lang="pt-BR" sz="1300" spc="-1" strike="noStrike">
+              <a:latin typeface="Arial"/>
+            </a:endParaRPr>
+          </a:p>
+        </p:txBody>
+      </p:sp>
+      <p:sp>
+        <p:nvSpPr>
+          <p:cNvPr id="58" name="CustomShape 21"/>
+          <p:cNvSpPr/>
+          <p:nvPr/>
+        </p:nvSpPr>
+        <p:spPr>
+          <a:xfrm>
+            <a:off x="2985840" y="7997040"/>
+            <a:ext cx="2239560" cy="845280"/>
+          </a:xfrm>
+          <a:prstGeom prst="ellipse">
+            <a:avLst/>
+          </a:prstGeom>
+          <a:ln/>
+        </p:spPr>
+        <p:style>
+          <a:lnRef idx="2">
+            <a:schemeClr val="accent4">
+              <a:shade val="50000"/>
+            </a:schemeClr>
+          </a:lnRef>
+          <a:fillRef idx="1">
+            <a:schemeClr val="accent4"/>
+          </a:fillRef>
+          <a:effectRef idx="0">
+            <a:schemeClr val="accent4"/>
+          </a:effectRef>
+          <a:fontRef idx="minor"/>
+        </p:style>
+        <p:txBody>
+          <a:bodyPr lIns="90000" rIns="90000" tIns="45000" bIns="45000" anchor="ctr">
+            <a:noAutofit/>
+          </a:bodyPr>
+          <a:p>
+            <a:pPr algn="ctr">
+              <a:lnSpc>
+                <a:spcPct val="100000"/>
+              </a:lnSpc>
+            </a:pPr>
+            <a:r>
+              <a:rPr b="1" lang="pt-BR" sz="1800" spc="-1" strike="noStrike">
+                <a:solidFill>
+                  <a:srgbClr val="ffffff"/>
+                </a:solidFill>
+                <a:latin typeface="Calibri"/>
+                <a:ea typeface="DejaVu Sans"/>
+              </a:rPr>
+              <a:t>Input:</a:t>
+            </a:r>
+            <a:endParaRPr b="0" lang="pt-BR" sz="1800" spc="-1" strike="noStrike">
+              <a:latin typeface="Arial"/>
+            </a:endParaRPr>
+          </a:p>
+          <a:p>
+            <a:pPr algn="ctr">
+              <a:lnSpc>
+                <a:spcPct val="100000"/>
+              </a:lnSpc>
+            </a:pPr>
+            <a:r>
               <a:rPr b="0" lang="pt-BR" sz="1800" spc="-1" strike="noStrike">
                 <a:solidFill>
                   <a:srgbClr val="ffffff"/>
@@ -2810,7 +2979,7 @@
                 <a:latin typeface="Calibri"/>
                 <a:ea typeface="DejaVu Sans"/>
               </a:rPr>
-              <a:t>Band B3</a:t>
+              <a:t>B3</a:t>
             </a:r>
             <a:endParaRPr b="0" lang="pt-BR" sz="1800" spc="-1" strike="noStrike">
               <a:latin typeface="Arial"/>
@@ -2820,14 +2989,14 @@
       </p:sp>
       <p:sp>
         <p:nvSpPr>
-          <p:cNvPr id="58" name="CustomShape 22"/>
+          <p:cNvPr id="59" name="CustomShape 22"/>
           <p:cNvSpPr/>
           <p:nvPr/>
         </p:nvSpPr>
         <p:spPr>
           <a:xfrm flipH="1" rot="16200000">
-            <a:off x="3738960" y="3383640"/>
-            <a:ext cx="730080" cy="360"/>
+            <a:off x="3738600" y="3383640"/>
+            <a:ext cx="729720" cy="360"/>
           </a:xfrm>
           <a:prstGeom prst="bentConnector3">
             <a:avLst>
@@ -2854,14 +3023,14 @@
       </p:sp>
       <p:sp>
         <p:nvSpPr>
-          <p:cNvPr id="59" name="CustomShape 23"/>
+          <p:cNvPr id="60" name="CustomShape 23"/>
           <p:cNvSpPr/>
           <p:nvPr/>
         </p:nvSpPr>
         <p:spPr>
           <a:xfrm>
             <a:off x="4105800" y="4290120"/>
-            <a:ext cx="5760" cy="1040760"/>
+            <a:ext cx="5400" cy="1040400"/>
           </a:xfrm>
           <a:custGeom>
             <a:avLst/>
@@ -2899,14 +3068,14 @@
       </p:sp>
       <p:sp>
         <p:nvSpPr>
-          <p:cNvPr id="60" name="CustomShape 24"/>
+          <p:cNvPr id="61" name="CustomShape 24"/>
           <p:cNvSpPr/>
           <p:nvPr/>
         </p:nvSpPr>
         <p:spPr>
           <a:xfrm>
             <a:off x="4112280" y="5873760"/>
-            <a:ext cx="360" cy="820440"/>
+            <a:ext cx="360" cy="820080"/>
           </a:xfrm>
           <a:custGeom>
             <a:avLst/>
@@ -2944,14 +3113,14 @@
       </p:sp>
       <p:sp>
         <p:nvSpPr>
-          <p:cNvPr id="61" name="CustomShape 25"/>
+          <p:cNvPr id="62" name="CustomShape 25"/>
           <p:cNvSpPr/>
           <p:nvPr/>
         </p:nvSpPr>
         <p:spPr>
           <a:xfrm flipV="1">
             <a:off x="4105800" y="7234200"/>
-            <a:ext cx="5760" cy="761400"/>
+            <a:ext cx="5400" cy="761040"/>
           </a:xfrm>
           <a:custGeom>
             <a:avLst/>
@@ -2989,14 +3158,14 @@
       </p:sp>
       <p:sp>
         <p:nvSpPr>
-          <p:cNvPr id="62" name="CustomShape 26"/>
+          <p:cNvPr id="63" name="CustomShape 26"/>
           <p:cNvSpPr/>
           <p:nvPr/>
         </p:nvSpPr>
         <p:spPr>
           <a:xfrm>
             <a:off x="5803920" y="2340360"/>
-            <a:ext cx="2990880" cy="638640"/>
+            <a:ext cx="2990520" cy="638280"/>
           </a:xfrm>
           <a:prstGeom prst="rect">
             <a:avLst/>
@@ -3040,14 +3209,14 @@
       </p:sp>
       <p:sp>
         <p:nvSpPr>
-          <p:cNvPr id="63" name="CustomShape 27"/>
+          <p:cNvPr id="64" name="CustomShape 27"/>
           <p:cNvSpPr/>
           <p:nvPr/>
         </p:nvSpPr>
         <p:spPr>
           <a:xfrm>
             <a:off x="9414720" y="5125320"/>
-            <a:ext cx="2316600" cy="539280"/>
+            <a:ext cx="2316240" cy="538920"/>
           </a:xfrm>
           <a:prstGeom prst="roundRect">
             <a:avLst>
@@ -3118,14 +3287,14 @@
       </p:sp>
       <p:sp>
         <p:nvSpPr>
-          <p:cNvPr id="64" name="CustomShape 28"/>
+          <p:cNvPr id="65" name="CustomShape 28"/>
           <p:cNvSpPr/>
           <p:nvPr/>
         </p:nvSpPr>
         <p:spPr>
           <a:xfrm>
             <a:off x="7783560" y="3930480"/>
-            <a:ext cx="1630440" cy="1464480"/>
+            <a:ext cx="1630080" cy="1464120"/>
           </a:xfrm>
           <a:prstGeom prst="bentConnector3">
             <a:avLst>
@@ -3152,14 +3321,14 @@
       </p:sp>
       <p:sp>
         <p:nvSpPr>
-          <p:cNvPr id="65" name="CustomShape 29"/>
+          <p:cNvPr id="66" name="CustomShape 29"/>
           <p:cNvSpPr/>
           <p:nvPr/>
         </p:nvSpPr>
         <p:spPr>
           <a:xfrm>
             <a:off x="7783560" y="3341880"/>
-            <a:ext cx="1630440" cy="2052720"/>
+            <a:ext cx="1630080" cy="2052360"/>
           </a:xfrm>
           <a:prstGeom prst="bentConnector3">
             <a:avLst>
@@ -3186,14 +3355,14 @@
       </p:sp>
       <p:sp>
         <p:nvSpPr>
-          <p:cNvPr id="66" name="CustomShape 30"/>
+          <p:cNvPr id="67" name="CustomShape 30"/>
           <p:cNvSpPr/>
           <p:nvPr/>
         </p:nvSpPr>
         <p:spPr>
           <a:xfrm>
             <a:off x="7788960" y="4527720"/>
-            <a:ext cx="1624680" cy="866880"/>
+            <a:ext cx="1624320" cy="866520"/>
           </a:xfrm>
           <a:prstGeom prst="bentConnector3">
             <a:avLst>
@@ -3220,14 +3389,14 @@
       </p:sp>
       <p:sp>
         <p:nvSpPr>
-          <p:cNvPr id="67" name="CustomShape 31"/>
+          <p:cNvPr id="68" name="CustomShape 31"/>
           <p:cNvSpPr/>
           <p:nvPr/>
         </p:nvSpPr>
         <p:spPr>
           <a:xfrm flipV="1">
-            <a:off x="7790400" y="5393880"/>
-            <a:ext cx="1623600" cy="326520"/>
+            <a:off x="7790400" y="5393520"/>
+            <a:ext cx="1623240" cy="326160"/>
           </a:xfrm>
           <a:prstGeom prst="bentConnector3">
             <a:avLst>
@@ -3254,14 +3423,14 @@
       </p:sp>
       <p:sp>
         <p:nvSpPr>
-          <p:cNvPr id="68" name="CustomShape 32"/>
+          <p:cNvPr id="69" name="CustomShape 32"/>
           <p:cNvSpPr/>
           <p:nvPr/>
         </p:nvSpPr>
         <p:spPr>
           <a:xfrm flipV="1">
-            <a:off x="7790400" y="5393880"/>
-            <a:ext cx="1623600" cy="919800"/>
+            <a:off x="7790400" y="5393520"/>
+            <a:ext cx="1623240" cy="919440"/>
           </a:xfrm>
           <a:prstGeom prst="bentConnector3">
             <a:avLst>
@@ -3288,14 +3457,14 @@
       </p:sp>
       <p:sp>
         <p:nvSpPr>
-          <p:cNvPr id="69" name="CustomShape 33"/>
+          <p:cNvPr id="70" name="CustomShape 33"/>
           <p:cNvSpPr/>
           <p:nvPr/>
         </p:nvSpPr>
         <p:spPr>
           <a:xfrm flipV="1">
-            <a:off x="7790400" y="5393880"/>
-            <a:ext cx="1623600" cy="1513080"/>
+            <a:off x="7790400" y="5393520"/>
+            <a:ext cx="1623240" cy="1512720"/>
           </a:xfrm>
           <a:prstGeom prst="bentConnector3">
             <a:avLst>
@@ -3322,14 +3491,14 @@
       </p:sp>
       <p:sp>
         <p:nvSpPr>
-          <p:cNvPr id="70" name="CustomShape 34"/>
+          <p:cNvPr id="71" name="CustomShape 34"/>
           <p:cNvSpPr/>
           <p:nvPr/>
         </p:nvSpPr>
         <p:spPr>
           <a:xfrm flipV="1">
-            <a:off x="7790400" y="5393880"/>
-            <a:ext cx="1623600" cy="2090160"/>
+            <a:off x="7790400" y="5392800"/>
+            <a:ext cx="1623240" cy="2089800"/>
           </a:xfrm>
           <a:prstGeom prst="bentConnector3">
             <a:avLst>
@@ -3356,14 +3525,14 @@
       </p:sp>
       <p:sp>
         <p:nvSpPr>
-          <p:cNvPr id="71" name="CustomShape 35"/>
+          <p:cNvPr id="72" name="CustomShape 35"/>
           <p:cNvSpPr/>
           <p:nvPr/>
         </p:nvSpPr>
         <p:spPr>
           <a:xfrm>
             <a:off x="7790400" y="5121000"/>
-            <a:ext cx="1623600" cy="273600"/>
+            <a:ext cx="1623240" cy="273240"/>
           </a:xfrm>
           <a:prstGeom prst="bentConnector3">
             <a:avLst>
@@ -3390,14 +3559,14 @@
       </p:sp>
       <p:sp>
         <p:nvSpPr>
-          <p:cNvPr id="72" name="CustomShape 36"/>
+          <p:cNvPr id="73" name="CustomShape 36"/>
           <p:cNvSpPr/>
           <p:nvPr/>
         </p:nvSpPr>
         <p:spPr>
           <a:xfrm>
             <a:off x="12075120" y="4371120"/>
-            <a:ext cx="1040760" cy="502560"/>
+            <a:ext cx="1040400" cy="502200"/>
           </a:xfrm>
           <a:prstGeom prst="roundRect">
             <a:avLst>
@@ -3468,14 +3637,14 @@
       </p:sp>
       <p:sp>
         <p:nvSpPr>
-          <p:cNvPr id="73" name="CustomShape 37"/>
+          <p:cNvPr id="74" name="CustomShape 37"/>
           <p:cNvSpPr/>
           <p:nvPr/>
         </p:nvSpPr>
         <p:spPr>
           <a:xfrm>
             <a:off x="12075120" y="5976360"/>
-            <a:ext cx="1040760" cy="502560"/>
+            <a:ext cx="1040400" cy="502200"/>
           </a:xfrm>
           <a:prstGeom prst="roundRect">
             <a:avLst>
@@ -3546,14 +3715,14 @@
       </p:sp>
       <p:sp>
         <p:nvSpPr>
-          <p:cNvPr id="74" name="CustomShape 38"/>
+          <p:cNvPr id="75" name="CustomShape 38"/>
           <p:cNvSpPr/>
           <p:nvPr/>
         </p:nvSpPr>
         <p:spPr>
           <a:xfrm flipV="1">
-            <a:off x="11732040" y="4622040"/>
-            <a:ext cx="342000" cy="771840"/>
+            <a:off x="11732040" y="4621320"/>
+            <a:ext cx="341640" cy="771480"/>
           </a:xfrm>
           <a:prstGeom prst="bentConnector3">
             <a:avLst>
@@ -3580,14 +3749,14 @@
       </p:sp>
       <p:sp>
         <p:nvSpPr>
-          <p:cNvPr id="75" name="CustomShape 39"/>
+          <p:cNvPr id="76" name="CustomShape 39"/>
           <p:cNvSpPr/>
           <p:nvPr/>
         </p:nvSpPr>
         <p:spPr>
           <a:xfrm>
             <a:off x="11732040" y="5395320"/>
-            <a:ext cx="342000" cy="831960"/>
+            <a:ext cx="341640" cy="831600"/>
           </a:xfrm>
           <a:prstGeom prst="bentConnector3">
             <a:avLst>
@@ -3614,14 +3783,14 @@
       </p:sp>
       <p:sp>
         <p:nvSpPr>
-          <p:cNvPr id="76" name="CustomShape 40"/>
+          <p:cNvPr id="77" name="CustomShape 40"/>
           <p:cNvSpPr/>
           <p:nvPr/>
         </p:nvSpPr>
         <p:spPr>
           <a:xfrm>
             <a:off x="119520" y="4988520"/>
-            <a:ext cx="2156760" cy="1219680"/>
+            <a:ext cx="2156400" cy="1219320"/>
           </a:xfrm>
           <a:prstGeom prst="roundRect">
             <a:avLst>
@@ -3712,14 +3881,14 @@
       </p:sp>
       <p:sp>
         <p:nvSpPr>
-          <p:cNvPr id="77" name="CustomShape 41"/>
+          <p:cNvPr id="78" name="CustomShape 41"/>
           <p:cNvSpPr/>
           <p:nvPr/>
         </p:nvSpPr>
         <p:spPr>
           <a:xfrm flipH="1" flipV="1" rot="5400000">
-            <a:off x="776520" y="3016080"/>
-            <a:ext cx="2391840" cy="1550160"/>
+            <a:off x="775800" y="3015360"/>
+            <a:ext cx="2391480" cy="1549800"/>
           </a:xfrm>
           <a:prstGeom prst="bentConnector2">
             <a:avLst/>
@@ -3744,14 +3913,14 @@
       </p:sp>
       <p:sp>
         <p:nvSpPr>
-          <p:cNvPr id="78" name="CustomShape 42"/>
+          <p:cNvPr id="79" name="CustomShape 42"/>
           <p:cNvSpPr/>
           <p:nvPr/>
         </p:nvSpPr>
         <p:spPr>
           <a:xfrm flipH="1" rot="16200000">
-            <a:off x="986400" y="6420960"/>
-            <a:ext cx="2210400" cy="1787040"/>
+            <a:off x="986040" y="6420960"/>
+            <a:ext cx="2210040" cy="1786680"/>
           </a:xfrm>
           <a:prstGeom prst="bentConnector2">
             <a:avLst/>
@@ -3776,14 +3945,14 @@
       </p:sp>
       <p:sp>
         <p:nvSpPr>
-          <p:cNvPr id="79" name="CustomShape 43"/>
+          <p:cNvPr id="80" name="CustomShape 43"/>
           <p:cNvSpPr/>
           <p:nvPr/>
         </p:nvSpPr>
         <p:spPr>
           <a:xfrm>
             <a:off x="11294280" y="3790080"/>
-            <a:ext cx="2316600" cy="364320"/>
+            <a:ext cx="2316240" cy="363960"/>
           </a:xfrm>
           <a:prstGeom prst="rect">
             <a:avLst/>
@@ -3827,14 +3996,14 @@
       </p:sp>
       <p:sp>
         <p:nvSpPr>
-          <p:cNvPr id="80" name="CustomShape 44"/>
+          <p:cNvPr id="81" name="CustomShape 44"/>
           <p:cNvSpPr/>
           <p:nvPr/>
         </p:nvSpPr>
         <p:spPr>
           <a:xfrm>
             <a:off x="162000" y="1307160"/>
-            <a:ext cx="13354560" cy="481680"/>
+            <a:ext cx="13354200" cy="481320"/>
           </a:xfrm>
           <a:prstGeom prst="rightArrow">
             <a:avLst>
